--- a/Teacher/pictures/pictures.pptx
+++ b/Teacher/pictures/pictures.pptx
@@ -15,6 +15,7 @@
     <p:sldId id="263" r:id="rId9"/>
     <p:sldId id="264" r:id="rId10"/>
     <p:sldId id="265" r:id="rId11"/>
+    <p:sldId id="266" r:id="rId12"/>
   </p:sldIdLst>
   <p:sldSz cx="12192000" cy="6858000"/>
   <p:notesSz cx="6858000" cy="9144000"/>
@@ -268,7 +269,7 @@
           <a:p>
             <a:fld id="{D02A42A2-4E5D-294D-8B4F-940B3377311C}" type="datetimeFigureOut">
               <a:rPr lang="en-US" smtClean="0"/>
-              <a:t>6/22/24</a:t>
+              <a:t>8/27/24</a:t>
             </a:fld>
             <a:endParaRPr lang="en-US"/>
           </a:p>
@@ -466,7 +467,7 @@
           <a:p>
             <a:fld id="{D02A42A2-4E5D-294D-8B4F-940B3377311C}" type="datetimeFigureOut">
               <a:rPr lang="en-US" smtClean="0"/>
-              <a:t>6/22/24</a:t>
+              <a:t>8/27/24</a:t>
             </a:fld>
             <a:endParaRPr lang="en-US"/>
           </a:p>
@@ -674,7 +675,7 @@
           <a:p>
             <a:fld id="{D02A42A2-4E5D-294D-8B4F-940B3377311C}" type="datetimeFigureOut">
               <a:rPr lang="en-US" smtClean="0"/>
-              <a:t>6/22/24</a:t>
+              <a:t>8/27/24</a:t>
             </a:fld>
             <a:endParaRPr lang="en-US"/>
           </a:p>
@@ -872,7 +873,7 @@
           <a:p>
             <a:fld id="{D02A42A2-4E5D-294D-8B4F-940B3377311C}" type="datetimeFigureOut">
               <a:rPr lang="en-US" smtClean="0"/>
-              <a:t>6/22/24</a:t>
+              <a:t>8/27/24</a:t>
             </a:fld>
             <a:endParaRPr lang="en-US"/>
           </a:p>
@@ -1147,7 +1148,7 @@
           <a:p>
             <a:fld id="{D02A42A2-4E5D-294D-8B4F-940B3377311C}" type="datetimeFigureOut">
               <a:rPr lang="en-US" smtClean="0"/>
-              <a:t>6/22/24</a:t>
+              <a:t>8/27/24</a:t>
             </a:fld>
             <a:endParaRPr lang="en-US"/>
           </a:p>
@@ -1412,7 +1413,7 @@
           <a:p>
             <a:fld id="{D02A42A2-4E5D-294D-8B4F-940B3377311C}" type="datetimeFigureOut">
               <a:rPr lang="en-US" smtClean="0"/>
-              <a:t>6/22/24</a:t>
+              <a:t>8/27/24</a:t>
             </a:fld>
             <a:endParaRPr lang="en-US"/>
           </a:p>
@@ -1824,7 +1825,7 @@
           <a:p>
             <a:fld id="{D02A42A2-4E5D-294D-8B4F-940B3377311C}" type="datetimeFigureOut">
               <a:rPr lang="en-US" smtClean="0"/>
-              <a:t>6/22/24</a:t>
+              <a:t>8/27/24</a:t>
             </a:fld>
             <a:endParaRPr lang="en-US"/>
           </a:p>
@@ -1965,7 +1966,7 @@
           <a:p>
             <a:fld id="{D02A42A2-4E5D-294D-8B4F-940B3377311C}" type="datetimeFigureOut">
               <a:rPr lang="en-US" smtClean="0"/>
-              <a:t>6/22/24</a:t>
+              <a:t>8/27/24</a:t>
             </a:fld>
             <a:endParaRPr lang="en-US"/>
           </a:p>
@@ -2078,7 +2079,7 @@
           <a:p>
             <a:fld id="{D02A42A2-4E5D-294D-8B4F-940B3377311C}" type="datetimeFigureOut">
               <a:rPr lang="en-US" smtClean="0"/>
-              <a:t>6/22/24</a:t>
+              <a:t>8/27/24</a:t>
             </a:fld>
             <a:endParaRPr lang="en-US"/>
           </a:p>
@@ -2389,7 +2390,7 @@
           <a:p>
             <a:fld id="{D02A42A2-4E5D-294D-8B4F-940B3377311C}" type="datetimeFigureOut">
               <a:rPr lang="en-US" smtClean="0"/>
-              <a:t>6/22/24</a:t>
+              <a:t>8/27/24</a:t>
             </a:fld>
             <a:endParaRPr lang="en-US"/>
           </a:p>
@@ -2677,7 +2678,7 @@
           <a:p>
             <a:fld id="{D02A42A2-4E5D-294D-8B4F-940B3377311C}" type="datetimeFigureOut">
               <a:rPr lang="en-US" smtClean="0"/>
-              <a:t>6/22/24</a:t>
+              <a:t>8/27/24</a:t>
             </a:fld>
             <a:endParaRPr lang="en-US"/>
           </a:p>
@@ -2918,7 +2919,7 @@
           <a:p>
             <a:fld id="{D02A42A2-4E5D-294D-8B4F-940B3377311C}" type="datetimeFigureOut">
               <a:rPr lang="en-US" smtClean="0"/>
-              <a:t>6/22/24</a:t>
+              <a:t>8/27/24</a:t>
             </a:fld>
             <a:endParaRPr lang="en-US"/>
           </a:p>
@@ -5591,6 +5592,1130 @@
 </p:sld>
 </file>
 
+<file path=ppt/slides/slide11.xml><?xml version="1.0" encoding="utf-8"?>
+<p:sld xmlns:a="http://schemas.openxmlformats.org/drawingml/2006/main" xmlns:r="http://schemas.openxmlformats.org/officeDocument/2006/relationships" xmlns:p="http://schemas.openxmlformats.org/presentationml/2006/main">
+  <p:cSld>
+    <p:spTree>
+      <p:nvGrpSpPr>
+        <p:cNvPr id="1" name=""/>
+        <p:cNvGrpSpPr/>
+        <p:nvPr/>
+      </p:nvGrpSpPr>
+      <p:grpSpPr>
+        <a:xfrm>
+          <a:off x="0" y="0"/>
+          <a:ext cx="0" cy="0"/>
+          <a:chOff x="0" y="0"/>
+          <a:chExt cx="0" cy="0"/>
+        </a:xfrm>
+      </p:grpSpPr>
+      <p:grpSp>
+        <p:nvGrpSpPr>
+          <p:cNvPr id="2" name="Group 1">
+            <a:extLst>
+              <a:ext uri="{FF2B5EF4-FFF2-40B4-BE49-F238E27FC236}">
+                <a16:creationId xmlns:a16="http://schemas.microsoft.com/office/drawing/2014/main" id="{F7C50DA4-895E-E9D7-4FB9-D8DF4AA4593B}"/>
+              </a:ext>
+            </a:extLst>
+          </p:cNvPr>
+          <p:cNvGrpSpPr/>
+          <p:nvPr/>
+        </p:nvGrpSpPr>
+        <p:grpSpPr>
+          <a:xfrm>
+            <a:off x="4400599" y="-531114"/>
+            <a:ext cx="3987541" cy="6088766"/>
+            <a:chOff x="4400599" y="-531114"/>
+            <a:chExt cx="3987541" cy="6088766"/>
+          </a:xfrm>
+        </p:grpSpPr>
+        <p:grpSp>
+          <p:nvGrpSpPr>
+            <p:cNvPr id="27" name="Group 26">
+              <a:extLst>
+                <a:ext uri="{FF2B5EF4-FFF2-40B4-BE49-F238E27FC236}">
+                  <a16:creationId xmlns:a16="http://schemas.microsoft.com/office/drawing/2014/main" id="{7EADD9B7-1462-0159-B42A-2FBE476646DE}"/>
+                </a:ext>
+              </a:extLst>
+            </p:cNvPr>
+            <p:cNvGrpSpPr/>
+            <p:nvPr/>
+          </p:nvGrpSpPr>
+          <p:grpSpPr>
+            <a:xfrm>
+              <a:off x="5019387" y="-531114"/>
+              <a:ext cx="2536361" cy="5166855"/>
+              <a:chOff x="5019387" y="-531114"/>
+              <a:chExt cx="2536361" cy="5166855"/>
+            </a:xfrm>
+          </p:grpSpPr>
+          <p:sp>
+            <p:nvSpPr>
+              <p:cNvPr id="12" name="Arc 11">
+                <a:extLst>
+                  <a:ext uri="{FF2B5EF4-FFF2-40B4-BE49-F238E27FC236}">
+                    <a16:creationId xmlns:a16="http://schemas.microsoft.com/office/drawing/2014/main" id="{176B168A-67CD-165D-1B87-8B18C60A60B1}"/>
+                  </a:ext>
+                </a:extLst>
+              </p:cNvPr>
+              <p:cNvSpPr/>
+              <p:nvPr/>
+            </p:nvSpPr>
+            <p:spPr>
+              <a:xfrm rot="10800000">
+                <a:off x="5019387" y="-531114"/>
+                <a:ext cx="1608202" cy="5166855"/>
+              </a:xfrm>
+              <a:prstGeom prst="arc">
+                <a:avLst/>
+              </a:prstGeom>
+              <a:ln w="31750"/>
+            </p:spPr>
+            <p:style>
+              <a:lnRef idx="2">
+                <a:schemeClr val="accent1"/>
+              </a:lnRef>
+              <a:fillRef idx="0">
+                <a:schemeClr val="accent1"/>
+              </a:fillRef>
+              <a:effectRef idx="1">
+                <a:schemeClr val="accent1"/>
+              </a:effectRef>
+              <a:fontRef idx="minor">
+                <a:schemeClr val="tx1"/>
+              </a:fontRef>
+            </p:style>
+            <p:txBody>
+              <a:bodyPr rtlCol="0" anchor="ctr"/>
+              <a:lstStyle/>
+              <a:p>
+                <a:pPr algn="ctr"/>
+                <a:endParaRPr lang="en-US"/>
+              </a:p>
+            </p:txBody>
+          </p:sp>
+          <p:sp>
+            <p:nvSpPr>
+              <p:cNvPr id="22" name="Freeform 21">
+                <a:extLst>
+                  <a:ext uri="{FF2B5EF4-FFF2-40B4-BE49-F238E27FC236}">
+                    <a16:creationId xmlns:a16="http://schemas.microsoft.com/office/drawing/2014/main" id="{B2F2DF71-E0D6-0146-A4C3-7E0C9EF6DDA4}"/>
+                  </a:ext>
+                </a:extLst>
+              </p:cNvPr>
+              <p:cNvSpPr/>
+              <p:nvPr/>
+            </p:nvSpPr>
+            <p:spPr>
+              <a:xfrm rot="21109402">
+                <a:off x="5769220" y="4274537"/>
+                <a:ext cx="1786528" cy="262800"/>
+              </a:xfrm>
+              <a:custGeom>
+                <a:avLst/>
+                <a:gdLst>
+                  <a:gd name="connsiteX0" fmla="*/ 0 w 1431758"/>
+                  <a:gd name="connsiteY0" fmla="*/ 421105 h 466118"/>
+                  <a:gd name="connsiteX1" fmla="*/ 324853 w 1431758"/>
+                  <a:gd name="connsiteY1" fmla="*/ 445168 h 466118"/>
+                  <a:gd name="connsiteX2" fmla="*/ 673769 w 1431758"/>
+                  <a:gd name="connsiteY2" fmla="*/ 156411 h 466118"/>
+                  <a:gd name="connsiteX3" fmla="*/ 1431758 w 1431758"/>
+                  <a:gd name="connsiteY3" fmla="*/ 0 h 466118"/>
+                </a:gdLst>
+                <a:ahLst/>
+                <a:cxnLst>
+                  <a:cxn ang="0">
+                    <a:pos x="connsiteX0" y="connsiteY0"/>
+                  </a:cxn>
+                  <a:cxn ang="0">
+                    <a:pos x="connsiteX1" y="connsiteY1"/>
+                  </a:cxn>
+                  <a:cxn ang="0">
+                    <a:pos x="connsiteX2" y="connsiteY2"/>
+                  </a:cxn>
+                  <a:cxn ang="0">
+                    <a:pos x="connsiteX3" y="connsiteY3"/>
+                  </a:cxn>
+                </a:cxnLst>
+                <a:rect l="l" t="t" r="r" b="b"/>
+                <a:pathLst>
+                  <a:path w="1431758" h="466118">
+                    <a:moveTo>
+                      <a:pt x="0" y="421105"/>
+                    </a:moveTo>
+                    <a:cubicBezTo>
+                      <a:pt x="106279" y="455194"/>
+                      <a:pt x="212558" y="489284"/>
+                      <a:pt x="324853" y="445168"/>
+                    </a:cubicBezTo>
+                    <a:cubicBezTo>
+                      <a:pt x="437148" y="401052"/>
+                      <a:pt x="489285" y="230606"/>
+                      <a:pt x="673769" y="156411"/>
+                    </a:cubicBezTo>
+                    <a:cubicBezTo>
+                      <a:pt x="858253" y="82216"/>
+                      <a:pt x="1277353" y="48126"/>
+                      <a:pt x="1431758" y="0"/>
+                    </a:cubicBezTo>
+                  </a:path>
+                </a:pathLst>
+              </a:custGeom>
+              <a:noFill/>
+              <a:ln w="31750">
+                <a:solidFill>
+                  <a:schemeClr val="accent1"/>
+                </a:solidFill>
+              </a:ln>
+            </p:spPr>
+            <p:style>
+              <a:lnRef idx="2">
+                <a:schemeClr val="accent1">
+                  <a:shade val="15000"/>
+                </a:schemeClr>
+              </a:lnRef>
+              <a:fillRef idx="1">
+                <a:schemeClr val="accent1"/>
+              </a:fillRef>
+              <a:effectRef idx="0">
+                <a:schemeClr val="accent1"/>
+              </a:effectRef>
+              <a:fontRef idx="minor">
+                <a:schemeClr val="lt1"/>
+              </a:fontRef>
+            </p:style>
+            <p:txBody>
+              <a:bodyPr rtlCol="0" anchor="ctr"/>
+              <a:lstStyle/>
+              <a:p>
+                <a:pPr algn="ctr"/>
+                <a:endParaRPr lang="en-US" dirty="0"/>
+              </a:p>
+            </p:txBody>
+          </p:sp>
+        </p:grpSp>
+        <p:sp>
+          <p:nvSpPr>
+            <p:cNvPr id="26" name="Arc 25">
+              <a:extLst>
+                <a:ext uri="{FF2B5EF4-FFF2-40B4-BE49-F238E27FC236}">
+                  <a16:creationId xmlns:a16="http://schemas.microsoft.com/office/drawing/2014/main" id="{49CC154C-8401-957A-0276-A3B2C1582AEE}"/>
+                </a:ext>
+              </a:extLst>
+            </p:cNvPr>
+            <p:cNvSpPr/>
+            <p:nvPr/>
+          </p:nvSpPr>
+          <p:spPr>
+            <a:xfrm rot="10800000">
+              <a:off x="4920866" y="-531114"/>
+              <a:ext cx="818199" cy="5166855"/>
+            </a:xfrm>
+            <a:prstGeom prst="arc">
+              <a:avLst/>
+            </a:prstGeom>
+            <a:ln w="31750">
+              <a:solidFill>
+                <a:schemeClr val="accent6">
+                  <a:lumMod val="75000"/>
+                </a:schemeClr>
+              </a:solidFill>
+            </a:ln>
+          </p:spPr>
+          <p:style>
+            <a:lnRef idx="2">
+              <a:schemeClr val="accent1"/>
+            </a:lnRef>
+            <a:fillRef idx="0">
+              <a:schemeClr val="accent1"/>
+            </a:fillRef>
+            <a:effectRef idx="1">
+              <a:schemeClr val="accent1"/>
+            </a:effectRef>
+            <a:fontRef idx="minor">
+              <a:schemeClr val="tx1"/>
+            </a:fontRef>
+          </p:style>
+          <p:txBody>
+            <a:bodyPr rtlCol="0" anchor="ctr"/>
+            <a:lstStyle/>
+            <a:p>
+              <a:pPr algn="ctr"/>
+              <a:endParaRPr lang="en-US"/>
+            </a:p>
+          </p:txBody>
+        </p:sp>
+        <p:grpSp>
+          <p:nvGrpSpPr>
+            <p:cNvPr id="37" name="Group 36">
+              <a:extLst>
+                <a:ext uri="{FF2B5EF4-FFF2-40B4-BE49-F238E27FC236}">
+                  <a16:creationId xmlns:a16="http://schemas.microsoft.com/office/drawing/2014/main" id="{091B0D72-01E8-BC9A-44D3-2EA24B5FBB4E}"/>
+                </a:ext>
+              </a:extLst>
+            </p:cNvPr>
+            <p:cNvGrpSpPr/>
+            <p:nvPr/>
+          </p:nvGrpSpPr>
+          <p:grpSpPr>
+            <a:xfrm>
+              <a:off x="4400599" y="1304753"/>
+              <a:ext cx="3987541" cy="4252899"/>
+              <a:chOff x="4400599" y="1304753"/>
+              <a:chExt cx="3987541" cy="4252899"/>
+            </a:xfrm>
+          </p:grpSpPr>
+          <p:cxnSp>
+            <p:nvCxnSpPr>
+              <p:cNvPr id="5" name="Straight Arrow Connector 4">
+                <a:extLst>
+                  <a:ext uri="{FF2B5EF4-FFF2-40B4-BE49-F238E27FC236}">
+                    <a16:creationId xmlns:a16="http://schemas.microsoft.com/office/drawing/2014/main" id="{E316D505-0DC9-AC0D-3A12-E5594DD7F3D3}"/>
+                  </a:ext>
+                </a:extLst>
+              </p:cNvPr>
+              <p:cNvCxnSpPr/>
+              <p:nvPr/>
+            </p:nvCxnSpPr>
+            <p:spPr>
+              <a:xfrm>
+                <a:off x="4400599" y="4083330"/>
+                <a:ext cx="3954484" cy="0"/>
+              </a:xfrm>
+              <a:prstGeom prst="straightConnector1">
+                <a:avLst/>
+              </a:prstGeom>
+              <a:ln w="38100">
+                <a:solidFill>
+                  <a:schemeClr val="tx1"/>
+                </a:solidFill>
+                <a:tailEnd type="triangle"/>
+              </a:ln>
+            </p:spPr>
+            <p:style>
+              <a:lnRef idx="2">
+                <a:schemeClr val="accent1"/>
+              </a:lnRef>
+              <a:fillRef idx="0">
+                <a:schemeClr val="accent1"/>
+              </a:fillRef>
+              <a:effectRef idx="1">
+                <a:schemeClr val="accent1"/>
+              </a:effectRef>
+              <a:fontRef idx="minor">
+                <a:schemeClr val="tx1"/>
+              </a:fontRef>
+            </p:style>
+          </p:cxnSp>
+          <p:cxnSp>
+            <p:nvCxnSpPr>
+              <p:cNvPr id="6" name="Straight Arrow Connector 5">
+                <a:extLst>
+                  <a:ext uri="{FF2B5EF4-FFF2-40B4-BE49-F238E27FC236}">
+                    <a16:creationId xmlns:a16="http://schemas.microsoft.com/office/drawing/2014/main" id="{A06020DA-A644-AEA1-8045-4188FEFBCD96}"/>
+                  </a:ext>
+                </a:extLst>
+              </p:cNvPr>
+              <p:cNvCxnSpPr>
+                <a:cxnSpLocks/>
+              </p:cNvCxnSpPr>
+              <p:nvPr/>
+            </p:nvCxnSpPr>
+            <p:spPr>
+              <a:xfrm rot="-5400000">
+                <a:off x="2852760" y="3580410"/>
+                <a:ext cx="3954484" cy="0"/>
+              </a:xfrm>
+              <a:prstGeom prst="straightConnector1">
+                <a:avLst/>
+              </a:prstGeom>
+              <a:ln w="38100">
+                <a:solidFill>
+                  <a:schemeClr val="tx1"/>
+                </a:solidFill>
+                <a:tailEnd type="triangle"/>
+              </a:ln>
+            </p:spPr>
+            <p:style>
+              <a:lnRef idx="2">
+                <a:schemeClr val="accent1"/>
+              </a:lnRef>
+              <a:fillRef idx="0">
+                <a:schemeClr val="accent1"/>
+              </a:fillRef>
+              <a:effectRef idx="1">
+                <a:schemeClr val="accent1"/>
+              </a:effectRef>
+              <a:fontRef idx="minor">
+                <a:schemeClr val="tx1"/>
+              </a:fontRef>
+            </p:style>
+          </p:cxnSp>
+          <p:sp>
+            <p:nvSpPr>
+              <p:cNvPr id="7" name="Oval 6">
+                <a:extLst>
+                  <a:ext uri="{FF2B5EF4-FFF2-40B4-BE49-F238E27FC236}">
+                    <a16:creationId xmlns:a16="http://schemas.microsoft.com/office/drawing/2014/main" id="{AF67F2E4-3619-03F6-091C-6025EEB71CBD}"/>
+                  </a:ext>
+                </a:extLst>
+              </p:cNvPr>
+              <p:cNvSpPr/>
+              <p:nvPr/>
+            </p:nvSpPr>
+            <p:spPr>
+              <a:xfrm>
+                <a:off x="5275966" y="4029330"/>
+                <a:ext cx="108000" cy="108000"/>
+              </a:xfrm>
+              <a:prstGeom prst="ellipse">
+                <a:avLst/>
+              </a:prstGeom>
+              <a:solidFill>
+                <a:srgbClr val="C00000"/>
+              </a:solidFill>
+              <a:ln>
+                <a:noFill/>
+              </a:ln>
+            </p:spPr>
+            <p:style>
+              <a:lnRef idx="2">
+                <a:schemeClr val="accent1">
+                  <a:shade val="15000"/>
+                </a:schemeClr>
+              </a:lnRef>
+              <a:fillRef idx="1">
+                <a:schemeClr val="accent1"/>
+              </a:fillRef>
+              <a:effectRef idx="0">
+                <a:schemeClr val="accent1"/>
+              </a:effectRef>
+              <a:fontRef idx="minor">
+                <a:schemeClr val="lt1"/>
+              </a:fontRef>
+            </p:style>
+            <p:txBody>
+              <a:bodyPr rtlCol="0" anchor="ctr"/>
+              <a:lstStyle/>
+              <a:p>
+                <a:pPr algn="ctr"/>
+                <a:endParaRPr lang="en-US"/>
+              </a:p>
+            </p:txBody>
+          </p:sp>
+          <p:sp>
+            <p:nvSpPr>
+              <p:cNvPr id="9" name="Oval 8">
+                <a:extLst>
+                  <a:ext uri="{FF2B5EF4-FFF2-40B4-BE49-F238E27FC236}">
+                    <a16:creationId xmlns:a16="http://schemas.microsoft.com/office/drawing/2014/main" id="{EE909908-ACCB-D4C3-5D2F-1CD71458213A}"/>
+                  </a:ext>
+                </a:extLst>
+              </p:cNvPr>
+              <p:cNvSpPr/>
+              <p:nvPr/>
+            </p:nvSpPr>
+            <p:spPr>
+              <a:xfrm>
+                <a:off x="7677862" y="4029330"/>
+                <a:ext cx="108000" cy="108000"/>
+              </a:xfrm>
+              <a:prstGeom prst="ellipse">
+                <a:avLst/>
+              </a:prstGeom>
+              <a:solidFill>
+                <a:srgbClr val="C00000"/>
+              </a:solidFill>
+              <a:ln>
+                <a:noFill/>
+              </a:ln>
+            </p:spPr>
+            <p:style>
+              <a:lnRef idx="2">
+                <a:schemeClr val="accent1">
+                  <a:shade val="15000"/>
+                </a:schemeClr>
+              </a:lnRef>
+              <a:fillRef idx="1">
+                <a:schemeClr val="accent1"/>
+              </a:fillRef>
+              <a:effectRef idx="0">
+                <a:schemeClr val="accent1"/>
+              </a:effectRef>
+              <a:fontRef idx="minor">
+                <a:schemeClr val="lt1"/>
+              </a:fontRef>
+            </p:style>
+            <p:txBody>
+              <a:bodyPr rtlCol="0" anchor="ctr"/>
+              <a:lstStyle/>
+              <a:p>
+                <a:pPr algn="ctr"/>
+                <a:endParaRPr lang="en-US"/>
+              </a:p>
+            </p:txBody>
+          </p:sp>
+          <mc:AlternateContent xmlns:mc="http://schemas.openxmlformats.org/markup-compatibility/2006" xmlns:a14="http://schemas.microsoft.com/office/drawing/2010/main">
+            <mc:Choice Requires="a14">
+              <p:sp>
+                <p:nvSpPr>
+                  <p:cNvPr id="10" name="TextBox 9">
+                    <a:extLst>
+                      <a:ext uri="{FF2B5EF4-FFF2-40B4-BE49-F238E27FC236}">
+                        <a16:creationId xmlns:a16="http://schemas.microsoft.com/office/drawing/2014/main" id="{B86A48EC-2B65-CAE3-CB95-E03AD109029D}"/>
+                      </a:ext>
+                    </a:extLst>
+                  </p:cNvPr>
+                  <p:cNvSpPr txBox="1"/>
+                  <p:nvPr/>
+                </p:nvSpPr>
+                <p:spPr>
+                  <a:xfrm>
+                    <a:off x="5265268" y="4098997"/>
+                    <a:ext cx="129396" cy="184666"/>
+                  </a:xfrm>
+                  <a:prstGeom prst="rect">
+                    <a:avLst/>
+                  </a:prstGeom>
+                  <a:noFill/>
+                </p:spPr>
+                <p:txBody>
+                  <a:bodyPr wrap="square" lIns="0" tIns="0" rIns="0" bIns="0" rtlCol="0">
+                    <a:spAutoFit/>
+                  </a:bodyPr>
+                  <a:lstStyle/>
+                  <a:p>
+                    <a:pPr/>
+                    <a14:m>
+                      <m:oMathPara xmlns:m="http://schemas.openxmlformats.org/officeDocument/2006/math">
+                        <m:oMathParaPr>
+                          <m:jc m:val="centerGroup"/>
+                        </m:oMathParaPr>
+                        <m:oMath xmlns:m="http://schemas.openxmlformats.org/officeDocument/2006/math">
+                          <m:sSub>
+                            <m:sSubPr>
+                              <m:ctrlPr>
+                                <a:rPr lang="en-US" sz="1200" b="0" i="1" smtClean="0">
+                                  <a:latin typeface="Cambria Math" panose="02040503050406030204" pitchFamily="18" charset="0"/>
+                                </a:rPr>
+                              </m:ctrlPr>
+                            </m:sSubPr>
+                            <m:e>
+                              <m:r>
+                                <a:rPr lang="en-US" sz="1200" b="0" i="1" smtClean="0">
+                                  <a:latin typeface="Cambria Math" panose="02040503050406030204" pitchFamily="18" charset="0"/>
+                                </a:rPr>
+                                <m:t>𝑟</m:t>
+                              </m:r>
+                            </m:e>
+                            <m:sub>
+                              <m:r>
+                                <a:rPr lang="en-US" sz="1200" b="0" i="1" smtClean="0">
+                                  <a:latin typeface="Cambria Math" panose="02040503050406030204" pitchFamily="18" charset="0"/>
+                                </a:rPr>
+                                <m:t>0</m:t>
+                              </m:r>
+                            </m:sub>
+                          </m:sSub>
+                        </m:oMath>
+                      </m:oMathPara>
+                    </a14:m>
+                    <a:endParaRPr lang="en-US" dirty="0"/>
+                  </a:p>
+                </p:txBody>
+              </p:sp>
+            </mc:Choice>
+            <mc:Fallback xmlns="">
+              <p:sp>
+                <p:nvSpPr>
+                  <p:cNvPr id="10" name="TextBox 9">
+                    <a:extLst>
+                      <a:ext uri="{FF2B5EF4-FFF2-40B4-BE49-F238E27FC236}">
+                        <a16:creationId xmlns:a16="http://schemas.microsoft.com/office/drawing/2014/main" id="{B86A48EC-2B65-CAE3-CB95-E03AD109029D}"/>
+                      </a:ext>
+                    </a:extLst>
+                  </p:cNvPr>
+                  <p:cNvSpPr txBox="1">
+                    <a:spLocks noRot="1" noChangeAspect="1" noMove="1" noResize="1" noEditPoints="1" noAdjustHandles="1" noChangeArrowheads="1" noChangeShapeType="1" noTextEdit="1"/>
+                  </p:cNvSpPr>
+                  <p:nvPr/>
+                </p:nvSpPr>
+                <p:spPr>
+                  <a:xfrm>
+                    <a:off x="5265268" y="4098997"/>
+                    <a:ext cx="129396" cy="184666"/>
+                  </a:xfrm>
+                  <a:prstGeom prst="rect">
+                    <a:avLst/>
+                  </a:prstGeom>
+                  <a:blipFill>
+                    <a:blip r:embed="rId2"/>
+                    <a:stretch>
+                      <a:fillRect l="-27273" r="-27273" b="-12500"/>
+                    </a:stretch>
+                  </a:blipFill>
+                </p:spPr>
+                <p:txBody>
+                  <a:bodyPr/>
+                  <a:lstStyle/>
+                  <a:p>
+                    <a:r>
+                      <a:rPr lang="en-US">
+                        <a:noFill/>
+                      </a:rPr>
+                      <a:t> </a:t>
+                    </a:r>
+                  </a:p>
+                </p:txBody>
+              </p:sp>
+            </mc:Fallback>
+          </mc:AlternateContent>
+          <mc:AlternateContent xmlns:mc="http://schemas.openxmlformats.org/markup-compatibility/2006" xmlns:a14="http://schemas.microsoft.com/office/drawing/2010/main">
+            <mc:Choice Requires="a14">
+              <p:sp>
+                <p:nvSpPr>
+                  <p:cNvPr id="11" name="TextBox 10">
+                    <a:extLst>
+                      <a:ext uri="{FF2B5EF4-FFF2-40B4-BE49-F238E27FC236}">
+                        <a16:creationId xmlns:a16="http://schemas.microsoft.com/office/drawing/2014/main" id="{AB3716C7-D469-255B-0846-EA208AC94E73}"/>
+                      </a:ext>
+                    </a:extLst>
+                  </p:cNvPr>
+                  <p:cNvSpPr txBox="1"/>
+                  <p:nvPr/>
+                </p:nvSpPr>
+                <p:spPr>
+                  <a:xfrm>
+                    <a:off x="7557198" y="4098997"/>
+                    <a:ext cx="349328" cy="184666"/>
+                  </a:xfrm>
+                  <a:prstGeom prst="rect">
+                    <a:avLst/>
+                  </a:prstGeom>
+                  <a:noFill/>
+                </p:spPr>
+                <p:txBody>
+                  <a:bodyPr wrap="square" lIns="0" tIns="0" rIns="0" bIns="0" rtlCol="0">
+                    <a:spAutoFit/>
+                  </a:bodyPr>
+                  <a:lstStyle/>
+                  <a:p>
+                    <a:r>
+                      <a:rPr lang="en-US" sz="1200" b="0" dirty="0"/>
+                      <a:t> </a:t>
+                    </a:r>
+                    <a:r>
+                      <a:rPr lang="en-US" sz="1000" b="0" dirty="0">
+                        <a:latin typeface="Cambria Math" panose="02040503050406030204" pitchFamily="18" charset="0"/>
+                        <a:ea typeface="Cambria Math" panose="02040503050406030204" pitchFamily="18" charset="0"/>
+                      </a:rPr>
+                      <a:t>10</a:t>
+                    </a:r>
+                    <a14:m>
+                      <m:oMath xmlns:m="http://schemas.openxmlformats.org/officeDocument/2006/math">
+                        <m:sSub>
+                          <m:sSubPr>
+                            <m:ctrlPr>
+                              <a:rPr lang="en-US" sz="1200" b="0" i="1" smtClean="0">
+                                <a:latin typeface="Cambria Math" panose="02040503050406030204" pitchFamily="18" charset="0"/>
+                              </a:rPr>
+                            </m:ctrlPr>
+                          </m:sSubPr>
+                          <m:e>
+                            <m:r>
+                              <a:rPr lang="en-US" sz="1200" b="0" i="1" smtClean="0">
+                                <a:latin typeface="Cambria Math" panose="02040503050406030204" pitchFamily="18" charset="0"/>
+                              </a:rPr>
+                              <m:t>𝑟</m:t>
+                            </m:r>
+                          </m:e>
+                          <m:sub>
+                            <m:r>
+                              <a:rPr lang="en-US" sz="1200" b="0" i="1" smtClean="0">
+                                <a:latin typeface="Cambria Math" panose="02040503050406030204" pitchFamily="18" charset="0"/>
+                              </a:rPr>
+                              <m:t>0</m:t>
+                            </m:r>
+                          </m:sub>
+                        </m:sSub>
+                      </m:oMath>
+                    </a14:m>
+                    <a:endParaRPr lang="en-US" dirty="0"/>
+                  </a:p>
+                </p:txBody>
+              </p:sp>
+            </mc:Choice>
+            <mc:Fallback xmlns="">
+              <p:sp>
+                <p:nvSpPr>
+                  <p:cNvPr id="11" name="TextBox 10">
+                    <a:extLst>
+                      <a:ext uri="{FF2B5EF4-FFF2-40B4-BE49-F238E27FC236}">
+                        <a16:creationId xmlns:a16="http://schemas.microsoft.com/office/drawing/2014/main" id="{AB3716C7-D469-255B-0846-EA208AC94E73}"/>
+                      </a:ext>
+                    </a:extLst>
+                  </p:cNvPr>
+                  <p:cNvSpPr txBox="1">
+                    <a:spLocks noRot="1" noChangeAspect="1" noMove="1" noResize="1" noEditPoints="1" noAdjustHandles="1" noChangeArrowheads="1" noChangeShapeType="1" noTextEdit="1"/>
+                  </p:cNvSpPr>
+                  <p:nvPr/>
+                </p:nvSpPr>
+                <p:spPr>
+                  <a:xfrm>
+                    <a:off x="7557198" y="4098997"/>
+                    <a:ext cx="349328" cy="184666"/>
+                  </a:xfrm>
+                  <a:prstGeom prst="rect">
+                    <a:avLst/>
+                  </a:prstGeom>
+                  <a:blipFill>
+                    <a:blip r:embed="rId3"/>
+                    <a:stretch>
+                      <a:fillRect l="-14286" t="-6250" b="-37500"/>
+                    </a:stretch>
+                  </a:blipFill>
+                </p:spPr>
+                <p:txBody>
+                  <a:bodyPr/>
+                  <a:lstStyle/>
+                  <a:p>
+                    <a:r>
+                      <a:rPr lang="en-US">
+                        <a:noFill/>
+                      </a:rPr>
+                      <a:t> </a:t>
+                    </a:r>
+                  </a:p>
+                </p:txBody>
+              </p:sp>
+            </mc:Fallback>
+          </mc:AlternateContent>
+          <p:sp>
+            <p:nvSpPr>
+              <p:cNvPr id="30" name="Freeform 29">
+                <a:extLst>
+                  <a:ext uri="{FF2B5EF4-FFF2-40B4-BE49-F238E27FC236}">
+                    <a16:creationId xmlns:a16="http://schemas.microsoft.com/office/drawing/2014/main" id="{4BBD4C08-82B1-0211-CB3D-37295A29C230}"/>
+                  </a:ext>
+                </a:extLst>
+              </p:cNvPr>
+              <p:cNvSpPr/>
+              <p:nvPr/>
+            </p:nvSpPr>
+            <p:spPr>
+              <a:xfrm rot="21206933">
+                <a:off x="5292000" y="4266000"/>
+                <a:ext cx="2135051" cy="255642"/>
+              </a:xfrm>
+              <a:custGeom>
+                <a:avLst/>
+                <a:gdLst>
+                  <a:gd name="connsiteX0" fmla="*/ 0 w 1653702"/>
+                  <a:gd name="connsiteY0" fmla="*/ 382622 h 390181"/>
+                  <a:gd name="connsiteX1" fmla="*/ 233464 w 1653702"/>
+                  <a:gd name="connsiteY1" fmla="*/ 369652 h 390181"/>
+                  <a:gd name="connsiteX2" fmla="*/ 486383 w 1653702"/>
+                  <a:gd name="connsiteY2" fmla="*/ 207524 h 390181"/>
+                  <a:gd name="connsiteX3" fmla="*/ 765243 w 1653702"/>
+                  <a:gd name="connsiteY3" fmla="*/ 77822 h 390181"/>
+                  <a:gd name="connsiteX4" fmla="*/ 1653702 w 1653702"/>
+                  <a:gd name="connsiteY4" fmla="*/ 0 h 390181"/>
+                </a:gdLst>
+                <a:ahLst/>
+                <a:cxnLst>
+                  <a:cxn ang="0">
+                    <a:pos x="connsiteX0" y="connsiteY0"/>
+                  </a:cxn>
+                  <a:cxn ang="0">
+                    <a:pos x="connsiteX1" y="connsiteY1"/>
+                  </a:cxn>
+                  <a:cxn ang="0">
+                    <a:pos x="connsiteX2" y="connsiteY2"/>
+                  </a:cxn>
+                  <a:cxn ang="0">
+                    <a:pos x="connsiteX3" y="connsiteY3"/>
+                  </a:cxn>
+                  <a:cxn ang="0">
+                    <a:pos x="connsiteX4" y="connsiteY4"/>
+                  </a:cxn>
+                </a:cxnLst>
+                <a:rect l="l" t="t" r="r" b="b"/>
+                <a:pathLst>
+                  <a:path w="1653702" h="390181">
+                    <a:moveTo>
+                      <a:pt x="0" y="382622"/>
+                    </a:moveTo>
+                    <a:cubicBezTo>
+                      <a:pt x="76200" y="390728"/>
+                      <a:pt x="152400" y="398835"/>
+                      <a:pt x="233464" y="369652"/>
+                    </a:cubicBezTo>
+                    <a:cubicBezTo>
+                      <a:pt x="314528" y="340469"/>
+                      <a:pt x="397753" y="256162"/>
+                      <a:pt x="486383" y="207524"/>
+                    </a:cubicBezTo>
+                    <a:cubicBezTo>
+                      <a:pt x="575013" y="158886"/>
+                      <a:pt x="570690" y="112409"/>
+                      <a:pt x="765243" y="77822"/>
+                    </a:cubicBezTo>
+                    <a:cubicBezTo>
+                      <a:pt x="959796" y="43235"/>
+                      <a:pt x="1306749" y="21617"/>
+                      <a:pt x="1653702" y="0"/>
+                    </a:cubicBezTo>
+                  </a:path>
+                </a:pathLst>
+              </a:custGeom>
+              <a:noFill/>
+              <a:ln w="28575">
+                <a:solidFill>
+                  <a:schemeClr val="accent6">
+                    <a:lumMod val="75000"/>
+                  </a:schemeClr>
+                </a:solidFill>
+              </a:ln>
+            </p:spPr>
+            <p:style>
+              <a:lnRef idx="2">
+                <a:schemeClr val="accent1">
+                  <a:shade val="15000"/>
+                </a:schemeClr>
+              </a:lnRef>
+              <a:fillRef idx="1">
+                <a:schemeClr val="accent1"/>
+              </a:fillRef>
+              <a:effectRef idx="0">
+                <a:schemeClr val="accent1"/>
+              </a:effectRef>
+              <a:fontRef idx="minor">
+                <a:schemeClr val="lt1"/>
+              </a:fontRef>
+            </p:style>
+            <p:txBody>
+              <a:bodyPr rtlCol="0" anchor="ctr"/>
+              <a:lstStyle/>
+              <a:p>
+                <a:pPr algn="ctr"/>
+                <a:endParaRPr lang="en-US"/>
+              </a:p>
+            </p:txBody>
+          </p:sp>
+          <p:cxnSp>
+            <p:nvCxnSpPr>
+              <p:cNvPr id="32" name="Straight Connector 31">
+                <a:extLst>
+                  <a:ext uri="{FF2B5EF4-FFF2-40B4-BE49-F238E27FC236}">
+                    <a16:creationId xmlns:a16="http://schemas.microsoft.com/office/drawing/2014/main" id="{A482AA8A-2CB4-6BF1-D6C7-C4CEC7BAFD6C}"/>
+                  </a:ext>
+                </a:extLst>
+              </p:cNvPr>
+              <p:cNvCxnSpPr>
+                <a:cxnSpLocks/>
+              </p:cNvCxnSpPr>
+              <p:nvPr/>
+            </p:nvCxnSpPr>
+            <p:spPr>
+              <a:xfrm>
+                <a:off x="5339929" y="2052313"/>
+                <a:ext cx="0" cy="3218934"/>
+              </a:xfrm>
+              <a:prstGeom prst="line">
+                <a:avLst/>
+              </a:prstGeom>
+              <a:ln w="31750">
+                <a:solidFill>
+                  <a:schemeClr val="tx1"/>
+                </a:solidFill>
+                <a:prstDash val="dash"/>
+              </a:ln>
+            </p:spPr>
+            <p:style>
+              <a:lnRef idx="2">
+                <a:schemeClr val="accent1"/>
+              </a:lnRef>
+              <a:fillRef idx="0">
+                <a:schemeClr val="accent1"/>
+              </a:fillRef>
+              <a:effectRef idx="1">
+                <a:schemeClr val="accent1"/>
+              </a:effectRef>
+              <a:fontRef idx="minor">
+                <a:schemeClr val="tx1"/>
+              </a:fontRef>
+            </p:style>
+          </p:cxnSp>
+          <mc:AlternateContent xmlns:mc="http://schemas.openxmlformats.org/markup-compatibility/2006" xmlns:a14="http://schemas.microsoft.com/office/drawing/2010/main">
+            <mc:Choice Requires="a14">
+              <p:sp>
+                <p:nvSpPr>
+                  <p:cNvPr id="35" name="TextBox 34">
+                    <a:extLst>
+                      <a:ext uri="{FF2B5EF4-FFF2-40B4-BE49-F238E27FC236}">
+                        <a16:creationId xmlns:a16="http://schemas.microsoft.com/office/drawing/2014/main" id="{C0B80338-EBBA-CB0D-757D-58038EC46A6E}"/>
+                      </a:ext>
+                    </a:extLst>
+                  </p:cNvPr>
+                  <p:cNvSpPr txBox="1"/>
+                  <p:nvPr/>
+                </p:nvSpPr>
+                <p:spPr>
+                  <a:xfrm>
+                    <a:off x="4550149" y="1304753"/>
+                    <a:ext cx="559705" cy="298415"/>
+                  </a:xfrm>
+                  <a:prstGeom prst="rect">
+                    <a:avLst/>
+                  </a:prstGeom>
+                  <a:noFill/>
+                </p:spPr>
+                <p:txBody>
+                  <a:bodyPr wrap="none" lIns="0" tIns="0" rIns="0" bIns="0" rtlCol="0">
+                    <a:spAutoFit/>
+                  </a:bodyPr>
+                  <a:lstStyle/>
+                  <a:p>
+                    <a:pPr/>
+                    <a14:m>
+                      <m:oMathPara xmlns:m="http://schemas.openxmlformats.org/officeDocument/2006/math">
+                        <m:oMathParaPr>
+                          <m:jc m:val="centerGroup"/>
+                        </m:oMathParaPr>
+                        <m:oMath xmlns:m="http://schemas.openxmlformats.org/officeDocument/2006/math">
+                          <m:sSub>
+                            <m:sSubPr>
+                              <m:ctrlPr>
+                                <a:rPr lang="en-US" b="0" i="1" smtClean="0">
+                                  <a:solidFill>
+                                    <a:schemeClr val="accent6">
+                                      <a:lumMod val="75000"/>
+                                    </a:schemeClr>
+                                  </a:solidFill>
+                                  <a:latin typeface="Cambria Math" panose="02040503050406030204" pitchFamily="18" charset="0"/>
+                                </a:rPr>
+                              </m:ctrlPr>
+                            </m:sSubPr>
+                            <m:e>
+                              <m:r>
+                                <a:rPr lang="en-US" b="0" i="1" smtClean="0">
+                                  <a:solidFill>
+                                    <a:schemeClr val="accent6">
+                                      <a:lumMod val="75000"/>
+                                    </a:schemeClr>
+                                  </a:solidFill>
+                                  <a:latin typeface="Cambria Math" panose="02040503050406030204" pitchFamily="18" charset="0"/>
+                                </a:rPr>
+                                <m:t>𝐸</m:t>
+                              </m:r>
+                            </m:e>
+                            <m:sub>
+                              <m:r>
+                                <a:rPr lang="en-US" b="0" i="1" smtClean="0">
+                                  <a:solidFill>
+                                    <a:schemeClr val="accent6">
+                                      <a:lumMod val="75000"/>
+                                    </a:schemeClr>
+                                  </a:solidFill>
+                                  <a:latin typeface="Cambria Math" panose="02040503050406030204" pitchFamily="18" charset="0"/>
+                                </a:rPr>
+                                <m:t>𝑝</m:t>
+                              </m:r>
+                            </m:sub>
+                          </m:sSub>
+                          <m:r>
+                            <a:rPr lang="en-US" b="0" i="1" smtClean="0">
+                              <a:solidFill>
+                                <a:schemeClr val="tx1"/>
+                              </a:solidFill>
+                              <a:latin typeface="Cambria Math" panose="02040503050406030204" pitchFamily="18" charset="0"/>
+                            </a:rPr>
+                            <m:t>/</m:t>
+                          </m:r>
+                          <m:r>
+                            <a:rPr lang="en-US" i="1">
+                              <a:solidFill>
+                                <a:schemeClr val="tx2">
+                                  <a:lumMod val="75000"/>
+                                  <a:lumOff val="25000"/>
+                                </a:schemeClr>
+                              </a:solidFill>
+                              <a:latin typeface="Cambria Math" panose="02040503050406030204" pitchFamily="18" charset="0"/>
+                            </a:rPr>
+                            <m:t>𝐹</m:t>
+                          </m:r>
+                        </m:oMath>
+                      </m:oMathPara>
+                    </a14:m>
+                    <a:endParaRPr lang="en-US" dirty="0">
+                      <a:solidFill>
+                        <a:schemeClr val="tx2">
+                          <a:lumMod val="75000"/>
+                          <a:lumOff val="25000"/>
+                        </a:schemeClr>
+                      </a:solidFill>
+                    </a:endParaRPr>
+                  </a:p>
+                </p:txBody>
+              </p:sp>
+            </mc:Choice>
+            <mc:Fallback xmlns="">
+              <p:sp>
+                <p:nvSpPr>
+                  <p:cNvPr id="35" name="TextBox 34">
+                    <a:extLst>
+                      <a:ext uri="{FF2B5EF4-FFF2-40B4-BE49-F238E27FC236}">
+                        <a16:creationId xmlns:a16="http://schemas.microsoft.com/office/drawing/2014/main" id="{C0B80338-EBBA-CB0D-757D-58038EC46A6E}"/>
+                      </a:ext>
+                    </a:extLst>
+                  </p:cNvPr>
+                  <p:cNvSpPr txBox="1">
+                    <a:spLocks noRot="1" noChangeAspect="1" noMove="1" noResize="1" noEditPoints="1" noAdjustHandles="1" noChangeArrowheads="1" noChangeShapeType="1" noTextEdit="1"/>
+                  </p:cNvSpPr>
+                  <p:nvPr/>
+                </p:nvSpPr>
+                <p:spPr>
+                  <a:xfrm>
+                    <a:off x="4550149" y="1304753"/>
+                    <a:ext cx="559705" cy="298415"/>
+                  </a:xfrm>
+                  <a:prstGeom prst="rect">
+                    <a:avLst/>
+                  </a:prstGeom>
+                  <a:blipFill>
+                    <a:blip r:embed="rId4"/>
+                    <a:stretch>
+                      <a:fillRect l="-8889" r="-6667" b="-24000"/>
+                    </a:stretch>
+                  </a:blipFill>
+                </p:spPr>
+                <p:txBody>
+                  <a:bodyPr/>
+                  <a:lstStyle/>
+                  <a:p>
+                    <a:r>
+                      <a:rPr lang="en-US">
+                        <a:noFill/>
+                      </a:rPr>
+                      <a:t> </a:t>
+                    </a:r>
+                  </a:p>
+                </p:txBody>
+              </p:sp>
+            </mc:Fallback>
+          </mc:AlternateContent>
+          <mc:AlternateContent xmlns:mc="http://schemas.openxmlformats.org/markup-compatibility/2006" xmlns:a14="http://schemas.microsoft.com/office/drawing/2010/main">
+            <mc:Choice Requires="a14">
+              <p:sp>
+                <p:nvSpPr>
+                  <p:cNvPr id="36" name="TextBox 35">
+                    <a:extLst>
+                      <a:ext uri="{FF2B5EF4-FFF2-40B4-BE49-F238E27FC236}">
+                        <a16:creationId xmlns:a16="http://schemas.microsoft.com/office/drawing/2014/main" id="{02BDCD44-BC23-E235-E837-3ECE81128425}"/>
+                      </a:ext>
+                    </a:extLst>
+                  </p:cNvPr>
+                  <p:cNvSpPr txBox="1"/>
+                  <p:nvPr/>
+                </p:nvSpPr>
+                <p:spPr>
+                  <a:xfrm>
+                    <a:off x="8227583" y="4083330"/>
+                    <a:ext cx="160557" cy="276999"/>
+                  </a:xfrm>
+                  <a:prstGeom prst="rect">
+                    <a:avLst/>
+                  </a:prstGeom>
+                  <a:noFill/>
+                </p:spPr>
+                <p:txBody>
+                  <a:bodyPr wrap="none" lIns="0" tIns="0" rIns="0" bIns="0" rtlCol="0">
+                    <a:spAutoFit/>
+                  </a:bodyPr>
+                  <a:lstStyle/>
+                  <a:p>
+                    <a:pPr/>
+                    <a14:m>
+                      <m:oMathPara xmlns:m="http://schemas.openxmlformats.org/officeDocument/2006/math">
+                        <m:oMathParaPr>
+                          <m:jc m:val="centerGroup"/>
+                        </m:oMathParaPr>
+                        <m:oMath xmlns:m="http://schemas.openxmlformats.org/officeDocument/2006/math">
+                          <m:r>
+                            <a:rPr lang="en-US" b="0" i="1" smtClean="0">
+                              <a:latin typeface="Cambria Math" panose="02040503050406030204" pitchFamily="18" charset="0"/>
+                            </a:rPr>
+                            <m:t>𝑟</m:t>
+                          </m:r>
+                        </m:oMath>
+                      </m:oMathPara>
+                    </a14:m>
+                    <a:endParaRPr lang="en-US" dirty="0"/>
+                  </a:p>
+                </p:txBody>
+              </p:sp>
+            </mc:Choice>
+            <mc:Fallback xmlns="">
+              <p:sp>
+                <p:nvSpPr>
+                  <p:cNvPr id="36" name="TextBox 35">
+                    <a:extLst>
+                      <a:ext uri="{FF2B5EF4-FFF2-40B4-BE49-F238E27FC236}">
+                        <a16:creationId xmlns:a16="http://schemas.microsoft.com/office/drawing/2014/main" id="{02BDCD44-BC23-E235-E837-3ECE81128425}"/>
+                      </a:ext>
+                    </a:extLst>
+                  </p:cNvPr>
+                  <p:cNvSpPr txBox="1">
+                    <a:spLocks noRot="1" noChangeAspect="1" noMove="1" noResize="1" noEditPoints="1" noAdjustHandles="1" noChangeArrowheads="1" noChangeShapeType="1" noTextEdit="1"/>
+                  </p:cNvSpPr>
+                  <p:nvPr/>
+                </p:nvSpPr>
+                <p:spPr>
+                  <a:xfrm>
+                    <a:off x="8227583" y="4083330"/>
+                    <a:ext cx="160557" cy="276999"/>
+                  </a:xfrm>
+                  <a:prstGeom prst="rect">
+                    <a:avLst/>
+                  </a:prstGeom>
+                  <a:blipFill>
+                    <a:blip r:embed="rId5"/>
+                    <a:stretch>
+                      <a:fillRect l="-23077" r="-15385"/>
+                    </a:stretch>
+                  </a:blipFill>
+                </p:spPr>
+                <p:txBody>
+                  <a:bodyPr/>
+                  <a:lstStyle/>
+                  <a:p>
+                    <a:r>
+                      <a:rPr lang="en-US">
+                        <a:noFill/>
+                      </a:rPr>
+                      <a:t> </a:t>
+                    </a:r>
+                  </a:p>
+                </p:txBody>
+              </p:sp>
+            </mc:Fallback>
+          </mc:AlternateContent>
+        </p:grpSp>
+      </p:grpSp>
+    </p:spTree>
+    <p:extLst>
+      <p:ext uri="{BB962C8B-B14F-4D97-AF65-F5344CB8AC3E}">
+        <p14:creationId xmlns:p14="http://schemas.microsoft.com/office/powerpoint/2010/main" val="3875616577"/>
+      </p:ext>
+    </p:extLst>
+  </p:cSld>
+  <p:clrMapOvr>
+    <a:masterClrMapping/>
+  </p:clrMapOvr>
+</p:sld>
+</file>
+
 <file path=ppt/slides/slide2.xml><?xml version="1.0" encoding="utf-8"?>
 <p:sld xmlns:a="http://schemas.openxmlformats.org/drawingml/2006/main" xmlns:r="http://schemas.openxmlformats.org/officeDocument/2006/relationships" xmlns:p="http://schemas.openxmlformats.org/presentationml/2006/main">
   <p:cSld>
@@ -6297,8 +7422,8 @@
           </p:sp>
         </mc:Fallback>
       </mc:AlternateContent>
-      <mc:AlternateContent xmlns:mc="http://schemas.openxmlformats.org/markup-compatibility/2006">
-        <mc:Choice xmlns:a14="http://schemas.microsoft.com/office/drawing/2010/main" Requires="a14">
+      <mc:AlternateContent xmlns:mc="http://schemas.openxmlformats.org/markup-compatibility/2006" xmlns:a14="http://schemas.microsoft.com/office/drawing/2010/main">
+        <mc:Choice Requires="a14">
           <p:sp>
             <p:nvSpPr>
               <p:cNvPr id="8" name="Rounded Rectangle 7">
@@ -6421,7 +7546,7 @@
             </p:txBody>
           </p:sp>
         </mc:Choice>
-        <mc:Fallback>
+        <mc:Fallback xmlns="">
           <p:sp>
             <p:nvSpPr>
               <p:cNvPr id="8" name="Rounded Rectangle 7">
@@ -9323,8 +10448,8 @@
           </p:sp>
         </mc:Fallback>
       </mc:AlternateContent>
-      <mc:AlternateContent xmlns:mc="http://schemas.openxmlformats.org/markup-compatibility/2006">
-        <mc:Choice xmlns:a14="http://schemas.microsoft.com/office/drawing/2010/main" Requires="a14">
+      <mc:AlternateContent xmlns:mc="http://schemas.openxmlformats.org/markup-compatibility/2006" xmlns:a14="http://schemas.microsoft.com/office/drawing/2010/main">
+        <mc:Choice Requires="a14">
           <p:sp>
             <p:nvSpPr>
               <p:cNvPr id="8" name="Rounded Rectangle 7">
@@ -9447,7 +10572,7 @@
             </p:txBody>
           </p:sp>
         </mc:Choice>
-        <mc:Fallback>
+        <mc:Fallback xmlns="">
           <p:sp>
             <p:nvSpPr>
               <p:cNvPr id="8" name="Rounded Rectangle 7">
@@ -12325,8 +13450,8 @@
             </p:sp>
           </mc:Fallback>
         </mc:AlternateContent>
-        <mc:AlternateContent xmlns:mc="http://schemas.openxmlformats.org/markup-compatibility/2006">
-          <mc:Choice xmlns:a14="http://schemas.microsoft.com/office/drawing/2010/main" Requires="a14">
+        <mc:AlternateContent xmlns:mc="http://schemas.openxmlformats.org/markup-compatibility/2006" xmlns:a14="http://schemas.microsoft.com/office/drawing/2010/main">
+          <mc:Choice Requires="a14">
             <p:sp>
               <p:nvSpPr>
                 <p:cNvPr id="8" name="Rounded Rectangle 7">
@@ -12449,7 +13574,7 @@
               </p:txBody>
             </p:sp>
           </mc:Choice>
-          <mc:Fallback>
+          <mc:Fallback xmlns="">
             <p:sp>
               <p:nvSpPr>
                 <p:cNvPr id="8" name="Rounded Rectangle 7">
@@ -15347,8 +16472,8 @@
               </p:sp>
             </mc:Fallback>
           </mc:AlternateContent>
-          <mc:AlternateContent xmlns:mc="http://schemas.openxmlformats.org/markup-compatibility/2006">
-            <mc:Choice xmlns:a14="http://schemas.microsoft.com/office/drawing/2010/main" Requires="a14">
+          <mc:AlternateContent xmlns:mc="http://schemas.openxmlformats.org/markup-compatibility/2006" xmlns:a14="http://schemas.microsoft.com/office/drawing/2010/main">
+            <mc:Choice Requires="a14">
               <p:sp>
                 <p:nvSpPr>
                   <p:cNvPr id="8" name="Rounded Rectangle 7">
@@ -15471,7 +16596,7 @@
                 </p:txBody>
               </p:sp>
             </mc:Choice>
-            <mc:Fallback>
+            <mc:Fallback xmlns="">
               <p:sp>
                 <p:nvSpPr>
                   <p:cNvPr id="8" name="Rounded Rectangle 7">
@@ -18012,8 +19137,8 @@
               </p:sp>
             </mc:Fallback>
           </mc:AlternateContent>
-          <mc:AlternateContent xmlns:mc="http://schemas.openxmlformats.org/markup-compatibility/2006">
-            <mc:Choice xmlns:a14="http://schemas.microsoft.com/office/drawing/2010/main" Requires="a14">
+          <mc:AlternateContent xmlns:mc="http://schemas.openxmlformats.org/markup-compatibility/2006" xmlns:a14="http://schemas.microsoft.com/office/drawing/2010/main">
+            <mc:Choice Requires="a14">
               <p:sp>
                 <p:nvSpPr>
                   <p:cNvPr id="6" name="Left Arrow Callout 5">
@@ -18098,7 +19223,7 @@
                 </p:txBody>
               </p:sp>
             </mc:Choice>
-            <mc:Fallback>
+            <mc:Fallback xmlns="">
               <p:sp>
                 <p:nvSpPr>
                   <p:cNvPr id="6" name="Left Arrow Callout 5">
@@ -18172,8 +19297,8 @@
               <a:chExt cx="1463040" cy="1477319"/>
             </a:xfrm>
           </p:grpSpPr>
-          <mc:AlternateContent xmlns:mc="http://schemas.openxmlformats.org/markup-compatibility/2006">
-            <mc:Choice xmlns:a14="http://schemas.microsoft.com/office/drawing/2010/main" Requires="a14">
+          <mc:AlternateContent xmlns:mc="http://schemas.openxmlformats.org/markup-compatibility/2006" xmlns:a14="http://schemas.microsoft.com/office/drawing/2010/main">
+            <mc:Choice Requires="a14">
               <p:sp>
                 <p:nvSpPr>
                   <p:cNvPr id="7" name="Rounded Rectangle 6">
@@ -18246,7 +19371,7 @@
                 </p:txBody>
               </p:sp>
             </mc:Choice>
-            <mc:Fallback>
+            <mc:Fallback xmlns="">
               <p:sp>
                 <p:nvSpPr>
                   <p:cNvPr id="7" name="Rounded Rectangle 6">
@@ -18294,8 +19419,8 @@
               </p:sp>
             </mc:Fallback>
           </mc:AlternateContent>
-          <mc:AlternateContent xmlns:mc="http://schemas.openxmlformats.org/markup-compatibility/2006">
-            <mc:Choice xmlns:a14="http://schemas.microsoft.com/office/drawing/2010/main" Requires="a14">
+          <mc:AlternateContent xmlns:mc="http://schemas.openxmlformats.org/markup-compatibility/2006" xmlns:a14="http://schemas.microsoft.com/office/drawing/2010/main">
+            <mc:Choice Requires="a14">
               <p:sp>
                 <p:nvSpPr>
                   <p:cNvPr id="8" name="Left Arrow Callout 7">
@@ -18364,13 +19489,7 @@
                             <a:rPr lang="en-US" i="1" smtClean="0">
                               <a:latin typeface="Cambria Math" panose="02040503050406030204" pitchFamily="18" charset="0"/>
                             </a:rPr>
-                            <m:t>初</m:t>
-                          </m:r>
-                          <m:r>
-                            <a:rPr lang="en-US" i="1" smtClean="0">
-                              <a:latin typeface="Cambria Math" panose="02040503050406030204" pitchFamily="18" charset="0"/>
-                            </a:rPr>
-                            <m:t>状态</m:t>
+                            <m:t>初状态</m:t>
                           </m:r>
                         </m:oMath>
                       </m:oMathPara>
@@ -18380,7 +19499,7 @@
                 </p:txBody>
               </p:sp>
             </mc:Choice>
-            <mc:Fallback>
+            <mc:Fallback xmlns="">
               <p:sp>
                 <p:nvSpPr>
                   <p:cNvPr id="8" name="Left Arrow Callout 7">
@@ -18434,8 +19553,8 @@
             </mc:Fallback>
           </mc:AlternateContent>
         </p:grpSp>
-        <mc:AlternateContent xmlns:mc="http://schemas.openxmlformats.org/markup-compatibility/2006">
-          <mc:Choice xmlns:a14="http://schemas.microsoft.com/office/drawing/2010/main" Requires="a14">
+        <mc:AlternateContent xmlns:mc="http://schemas.openxmlformats.org/markup-compatibility/2006" xmlns:a14="http://schemas.microsoft.com/office/drawing/2010/main">
+          <mc:Choice Requires="a14">
             <p:sp>
               <p:nvSpPr>
                 <p:cNvPr id="14" name="Left Arrow Callout 13">
@@ -18520,7 +19639,7 @@
               </p:txBody>
             </p:sp>
           </mc:Choice>
-          <mc:Fallback>
+          <mc:Fallback xmlns="">
             <p:sp>
               <p:nvSpPr>
                 <p:cNvPr id="14" name="Left Arrow Callout 13">
@@ -18700,8 +19819,8 @@
               </a:p>
             </p:txBody>
           </p:sp>
-          <mc:AlternateContent xmlns:mc="http://schemas.openxmlformats.org/markup-compatibility/2006">
-            <mc:Choice xmlns:a14="http://schemas.microsoft.com/office/drawing/2010/main" Requires="a14">
+          <mc:AlternateContent xmlns:mc="http://schemas.openxmlformats.org/markup-compatibility/2006" xmlns:a14="http://schemas.microsoft.com/office/drawing/2010/main">
+            <mc:Choice Requires="a14">
               <p:sp>
                 <p:nvSpPr>
                   <p:cNvPr id="19" name="Rounded Rectangle 18">
@@ -18794,7 +19913,7 @@
                 </p:txBody>
               </p:sp>
             </mc:Choice>
-            <mc:Fallback>
+            <mc:Fallback xmlns="">
               <p:sp>
                 <p:nvSpPr>
                   <p:cNvPr id="19" name="Rounded Rectangle 18">
@@ -18844,8 +19963,8 @@
               </p:sp>
             </mc:Fallback>
           </mc:AlternateContent>
-          <mc:AlternateContent xmlns:mc="http://schemas.openxmlformats.org/markup-compatibility/2006">
-            <mc:Choice xmlns:a14="http://schemas.microsoft.com/office/drawing/2010/main" Requires="a14">
+          <mc:AlternateContent xmlns:mc="http://schemas.openxmlformats.org/markup-compatibility/2006" xmlns:a14="http://schemas.microsoft.com/office/drawing/2010/main">
+            <mc:Choice Requires="a14">
               <p:sp>
                 <p:nvSpPr>
                   <p:cNvPr id="4" name="Rounded Rectangle 3">
@@ -18938,7 +20057,7 @@
                 </p:txBody>
               </p:sp>
             </mc:Choice>
-            <mc:Fallback>
+            <mc:Fallback xmlns="">
               <p:sp>
                 <p:nvSpPr>
                   <p:cNvPr id="4" name="Rounded Rectangle 3">
@@ -18988,8 +20107,8 @@
               </p:sp>
             </mc:Fallback>
           </mc:AlternateContent>
-          <mc:AlternateContent xmlns:mc="http://schemas.openxmlformats.org/markup-compatibility/2006">
-            <mc:Choice xmlns:a14="http://schemas.microsoft.com/office/drawing/2010/main" Requires="a14">
+          <mc:AlternateContent xmlns:mc="http://schemas.openxmlformats.org/markup-compatibility/2006" xmlns:a14="http://schemas.microsoft.com/office/drawing/2010/main">
+            <mc:Choice Requires="a14">
               <p:sp>
                 <p:nvSpPr>
                   <p:cNvPr id="11" name="Rounded Rectangle 10">
@@ -19088,7 +20207,7 @@
                 </p:txBody>
               </p:sp>
             </mc:Choice>
-            <mc:Fallback>
+            <mc:Fallback xmlns="">
               <p:sp>
                 <p:nvSpPr>
                   <p:cNvPr id="11" name="Rounded Rectangle 10">
@@ -19138,8 +20257,8 @@
               </p:sp>
             </mc:Fallback>
           </mc:AlternateContent>
-          <mc:AlternateContent xmlns:mc="http://schemas.openxmlformats.org/markup-compatibility/2006">
-            <mc:Choice xmlns:a14="http://schemas.microsoft.com/office/drawing/2010/main" Requires="a14">
+          <mc:AlternateContent xmlns:mc="http://schemas.openxmlformats.org/markup-compatibility/2006" xmlns:a14="http://schemas.microsoft.com/office/drawing/2010/main">
+            <mc:Choice Requires="a14">
               <p:sp>
                 <p:nvSpPr>
                   <p:cNvPr id="13" name="Rounded Rectangle 12">
@@ -19232,7 +20351,7 @@
                 </p:txBody>
               </p:sp>
             </mc:Choice>
-            <mc:Fallback>
+            <mc:Fallback xmlns="">
               <p:sp>
                 <p:nvSpPr>
                   <p:cNvPr id="13" name="Rounded Rectangle 12">
